--- a/project_02/ENGI301_project2_proposal .pptx
+++ b/project_02/ENGI301_project2_proposal .pptx
@@ -137,6 +137,55 @@
 </p:presentation>
 </file>
 
+<file path=ppt/commentAuthors.xml><?xml version="1.0" encoding="utf-8"?>
+<p:cmAuthorLst xmlns:a="http://schemas.openxmlformats.org/drawingml/2006/main" xmlns:r="http://schemas.openxmlformats.org/officeDocument/2006/relationships" xmlns:p="http://schemas.openxmlformats.org/presentationml/2006/main">
+  <p:cmAuthor id="1" name="Brian Dinh" initials="BD" lastIdx="4" clrIdx="0">
+    <p:extLst>
+      <p:ext uri="{19B8F6BF-5375-455C-9EA6-DF929625EA0E}">
+        <p15:presenceInfo xmlns:p15="http://schemas.microsoft.com/office/powerpoint/2012/main" userId="cb1d0a1c34623c90" providerId="Windows Live"/>
+      </p:ext>
+    </p:extLst>
+  </p:cmAuthor>
+</p:cmAuthorLst>
+</file>
+
+<file path=ppt/comments/comment1.xml><?xml version="1.0" encoding="utf-8"?>
+<p:cmLst xmlns:a="http://schemas.openxmlformats.org/drawingml/2006/main" xmlns:r="http://schemas.openxmlformats.org/officeDocument/2006/relationships" xmlns:p="http://schemas.openxmlformats.org/presentationml/2006/main">
+  <p:cm authorId="1" dt="2020-12-02T21:04:51.021" idx="1">
+    <p:pos x="1845" y="2089"/>
+    <p:text>No blinker, restore LCD screen. Go to Adafruit website, pick off mounting holes, hook up SPI interface, power, and on the PCB board slot the pocketbeagle underneath my screen</p:text>
+    <p:extLst>
+      <p:ext uri="{C676402C-5697-4E1C-873F-D02D1690AC5C}">
+        <p15:threadingInfo xmlns:p15="http://schemas.microsoft.com/office/powerpoint/2012/main" timeZoneBias="360"/>
+      </p:ext>
+    </p:extLst>
+  </p:cm>
+  <p:cm authorId="1" dt="2020-12-02T21:05:07.577" idx="2">
+    <p:pos x="1543" y="1269"/>
+    <p:text>Keep existing components</p:text>
+    <p:extLst>
+      <p:ext uri="{C676402C-5697-4E1C-873F-D02D1690AC5C}">
+        <p15:threadingInfo xmlns:p15="http://schemas.microsoft.com/office/powerpoint/2012/main" timeZoneBias="360"/>
+      </p:ext>
+    </p:extLst>
+  </p:cm>
+</p:cmLst>
+</file>
+
+<file path=ppt/comments/comment2.xml><?xml version="1.0" encoding="utf-8"?>
+<p:cmLst xmlns:a="http://schemas.openxmlformats.org/drawingml/2006/main" xmlns:r="http://schemas.openxmlformats.org/officeDocument/2006/relationships" xmlns:p="http://schemas.openxmlformats.org/presentationml/2006/main">
+  <p:cm authorId="1" dt="2020-12-02T21:08:37.780" idx="4">
+    <p:pos x="3661" y="1494"/>
+    <p:text>shrink to 3x4 board</p:text>
+    <p:extLst>
+      <p:ext uri="{C676402C-5697-4E1C-873F-D02D1690AC5C}">
+        <p15:threadingInfo xmlns:p15="http://schemas.microsoft.com/office/powerpoint/2012/main" timeZoneBias="360"/>
+      </p:ext>
+    </p:extLst>
+  </p:cm>
+</p:cmLst>
+</file>
+
 <file path=ppt/handoutMasters/handoutMaster1.xml><?xml version="1.0" encoding="utf-8"?>
 <p:handoutMaster xmlns:a="http://schemas.openxmlformats.org/drawingml/2006/main" xmlns:r="http://schemas.openxmlformats.org/officeDocument/2006/relationships" xmlns:p="http://schemas.openxmlformats.org/presentationml/2006/main">
   <p:cSld>
@@ -219,7 +268,7 @@
           <a:p>
             <a:fld id="{59041DB8-B66F-4DC8-A96E-33677E0F90FF}" type="datetimeFigureOut">
               <a:rPr lang="en-US" smtClean="0"/>
-              <a:t>11/22/2020</a:t>
+              <a:t>12/2/2020</a:t>
             </a:fld>
             <a:endParaRPr lang="en-US"/>
           </a:p>
@@ -384,7 +433,7 @@
           <a:p>
             <a:fld id="{DEB49C4A-65AC-492D-9701-81B46C3AD0E4}" type="datetimeFigureOut">
               <a:rPr lang="en-US" smtClean="0"/>
-              <a:t>11/22/2020</a:t>
+              <a:t>12/2/2020</a:t>
             </a:fld>
             <a:endParaRPr lang="en-US"/>
           </a:p>
@@ -2792,7 +2841,7 @@
           <a:p>
             <a:fld id="{384A29A4-78C8-47AB-BA06-22CB45938951}" type="datetime1">
               <a:rPr lang="en-US" smtClean="0"/>
-              <a:t>11/22/2020</a:t>
+              <a:t>12/2/2020</a:t>
             </a:fld>
             <a:endParaRPr lang="en-US"/>
           </a:p>
@@ -2987,7 +3036,7 @@
           <a:p>
             <a:fld id="{E1ED4ACF-2D82-46F2-A8E9-23963AA34E86}" type="datetime1">
               <a:rPr lang="en-US" smtClean="0"/>
-              <a:t>11/22/2020</a:t>
+              <a:t>12/2/2020</a:t>
             </a:fld>
             <a:endParaRPr lang="en-US"/>
           </a:p>
@@ -3181,7 +3230,7 @@
           <a:p>
             <a:fld id="{AE374B5B-21A0-4192-BF4C-38187F1A68D8}" type="datetime1">
               <a:rPr lang="en-US" smtClean="0"/>
-              <a:t>11/22/2020</a:t>
+              <a:t>12/2/2020</a:t>
             </a:fld>
             <a:endParaRPr lang="en-US"/>
           </a:p>
@@ -5522,7 +5571,7 @@
           <a:p>
             <a:fld id="{33B5CF7C-B333-48E1-A4A6-83A3C8B73AC0}" type="datetime1">
               <a:rPr lang="en-US" smtClean="0"/>
-              <a:t>11/22/2020</a:t>
+              <a:t>12/2/2020</a:t>
             </a:fld>
             <a:endParaRPr lang="en-US"/>
           </a:p>
@@ -5975,7 +6024,7 @@
           <a:p>
             <a:fld id="{AE320762-5CBF-4210-AB54-376B091119F8}" type="datetime1">
               <a:rPr lang="en-US" smtClean="0"/>
-              <a:t>11/22/2020</a:t>
+              <a:t>12/2/2020</a:t>
             </a:fld>
             <a:endParaRPr lang="en-US"/>
           </a:p>
@@ -6107,7 +6156,7 @@
           <a:p>
             <a:fld id="{7F0DB371-BF5F-4058-A212-1A908E4D2674}" type="datetime1">
               <a:rPr lang="en-US" smtClean="0"/>
-              <a:t>11/22/2020</a:t>
+              <a:t>12/2/2020</a:t>
             </a:fld>
             <a:endParaRPr lang="en-US"/>
           </a:p>
@@ -8040,7 +8089,7 @@
           <a:p>
             <a:fld id="{60A4083B-90AA-48CF-BAD5-00AA24D7F288}" type="datetime1">
               <a:rPr lang="en-US" smtClean="0"/>
-              <a:t>11/22/2020</a:t>
+              <a:t>12/2/2020</a:t>
             </a:fld>
             <a:endParaRPr lang="en-US"/>
           </a:p>
@@ -10299,7 +10348,7 @@
             <a:fld id="{F5BAF629-ECA2-4CF3-B790-9D9BDED98269}" type="datetime1">
               <a:rPr lang="en-US" smtClean="0"/>
               <a:pPr/>
-              <a:t>11/22/2020</a:t>
+              <a:t>12/2/2020</a:t>
             </a:fld>
             <a:endParaRPr lang="en-US"/>
           </a:p>
@@ -14594,7 +14643,7 @@
             <a:fld id="{B51B2453-8663-4C69-AF73-9FD7B1DEC5D0}" type="datetime1">
               <a:rPr lang="en-US" smtClean="0"/>
               <a:pPr/>
-              <a:t>11/22/2020</a:t>
+              <a:t>12/2/2020</a:t>
             </a:fld>
             <a:endParaRPr lang="en-US" dirty="0"/>
           </a:p>
@@ -15110,8 +15159,12 @@
           <a:lstStyle/>
           <a:p>
             <a:r>
+              <a:rPr lang="en-US"/>
+              <a:t>December 3, </a:t>
+            </a:r>
+            <a:r>
               <a:rPr lang="en-US" dirty="0"/>
-              <a:t>November 22, 2020</a:t>
+              <a:t>2020</a:t>
             </a:r>
           </a:p>
           <a:p>
@@ -15699,6 +15752,52 @@
           </a:xfrm>
         </p:spPr>
       </p:pic>
+      <p:sp>
+        <p:nvSpPr>
+          <p:cNvPr id="4" name="Rectangle 3">
+            <a:extLst>
+              <a:ext uri="{FF2B5EF4-FFF2-40B4-BE49-F238E27FC236}">
+                <a16:creationId xmlns:a16="http://schemas.microsoft.com/office/drawing/2014/main" id="{E715A88D-8992-42AE-873A-350B3437417E}"/>
+              </a:ext>
+            </a:extLst>
+          </p:cNvPr>
+          <p:cNvSpPr/>
+          <p:nvPr/>
+        </p:nvSpPr>
+        <p:spPr>
+          <a:xfrm>
+            <a:off x="7010400" y="1295400"/>
+            <a:ext cx="4724400" cy="1562100"/>
+          </a:xfrm>
+          <a:prstGeom prst="rect">
+            <a:avLst/>
+          </a:prstGeom>
+        </p:spPr>
+        <p:style>
+          <a:lnRef idx="2">
+            <a:schemeClr val="accent1">
+              <a:shade val="50000"/>
+            </a:schemeClr>
+          </a:lnRef>
+          <a:fillRef idx="1">
+            <a:schemeClr val="accent1"/>
+          </a:fillRef>
+          <a:effectRef idx="0">
+            <a:schemeClr val="accent1"/>
+          </a:effectRef>
+          <a:fontRef idx="minor">
+            <a:schemeClr val="lt1"/>
+          </a:fontRef>
+        </p:style>
+        <p:txBody>
+          <a:bodyPr rtlCol="0" anchor="ctr"/>
+          <a:lstStyle/>
+          <a:p>
+            <a:pPr algn="ctr"/>
+            <a:endParaRPr lang="en-US"/>
+          </a:p>
+        </p:txBody>
+      </p:sp>
     </p:spTree>
     <p:extLst>
       <p:ext uri="{BB962C8B-B14F-4D97-AF65-F5344CB8AC3E}">

--- a/project_02/ENGI301_project2_proposal .pptx
+++ b/project_02/ENGI301_project2_proposal .pptx
@@ -149,6 +149,73 @@
 </p:cmAuthorLst>
 </file>
 
+<file path=ppt/changesInfos/changesInfo1.xml><?xml version="1.0" encoding="utf-8"?>
+<pc:chgInfo xmlns:a="http://schemas.openxmlformats.org/drawingml/2006/main" xmlns:r="http://schemas.openxmlformats.org/officeDocument/2006/relationships" xmlns:ac="http://schemas.microsoft.com/office/drawing/2013/main/command" xmlns:pc="http://schemas.microsoft.com/office/powerpoint/2013/main/command">
+  <pc:docChgLst>
+    <pc:chgData name="Brian Dinh" userId="cb1d0a1c34623c90" providerId="LiveId" clId="{4CA3E554-ED19-4905-93D4-3E57A76416A6}"/>
+    <pc:docChg chg="undo custSel modSld">
+      <pc:chgData name="Brian Dinh" userId="cb1d0a1c34623c90" providerId="LiveId" clId="{4CA3E554-ED19-4905-93D4-3E57A76416A6}" dt="2020-12-12T07:34:23.667" v="188" actId="20577"/>
+      <pc:docMkLst>
+        <pc:docMk/>
+      </pc:docMkLst>
+      <pc:sldChg chg="modSp mod">
+        <pc:chgData name="Brian Dinh" userId="cb1d0a1c34623c90" providerId="LiveId" clId="{4CA3E554-ED19-4905-93D4-3E57A76416A6}" dt="2020-12-12T07:34:23.667" v="188" actId="20577"/>
+        <pc:sldMkLst>
+          <pc:docMk/>
+          <pc:sldMk cId="106904919" sldId="261"/>
+        </pc:sldMkLst>
+        <pc:spChg chg="mod">
+          <ac:chgData name="Brian Dinh" userId="cb1d0a1c34623c90" providerId="LiveId" clId="{4CA3E554-ED19-4905-93D4-3E57A76416A6}" dt="2020-12-12T07:33:41.047" v="115" actId="20577"/>
+          <ac:spMkLst>
+            <pc:docMk/>
+            <pc:sldMk cId="106904919" sldId="261"/>
+            <ac:spMk id="2" creationId="{00000000-0000-0000-0000-000000000000}"/>
+          </ac:spMkLst>
+        </pc:spChg>
+        <pc:spChg chg="mod">
+          <ac:chgData name="Brian Dinh" userId="cb1d0a1c34623c90" providerId="LiveId" clId="{4CA3E554-ED19-4905-93D4-3E57A76416A6}" dt="2020-12-12T07:34:23.667" v="188" actId="20577"/>
+          <ac:spMkLst>
+            <pc:docMk/>
+            <pc:sldMk cId="106904919" sldId="261"/>
+            <ac:spMk id="3" creationId="{00000000-0000-0000-0000-000000000000}"/>
+          </ac:spMkLst>
+        </pc:spChg>
+      </pc:sldChg>
+      <pc:sldChg chg="modSp mod">
+        <pc:chgData name="Brian Dinh" userId="cb1d0a1c34623c90" providerId="LiveId" clId="{4CA3E554-ED19-4905-93D4-3E57A76416A6}" dt="2020-12-12T07:33:35.737" v="105" actId="20577"/>
+        <pc:sldMkLst>
+          <pc:docMk/>
+          <pc:sldMk cId="3519531026" sldId="367"/>
+        </pc:sldMkLst>
+        <pc:spChg chg="mod">
+          <ac:chgData name="Brian Dinh" userId="cb1d0a1c34623c90" providerId="LiveId" clId="{4CA3E554-ED19-4905-93D4-3E57A76416A6}" dt="2020-12-12T07:33:35.737" v="105" actId="20577"/>
+          <ac:spMkLst>
+            <pc:docMk/>
+            <pc:sldMk cId="3519531026" sldId="367"/>
+            <ac:spMk id="3" creationId="{8ED8AE04-697D-4784-A672-E28DA6A47AB6}"/>
+          </ac:spMkLst>
+        </pc:spChg>
+      </pc:sldChg>
+      <pc:sldChg chg="modSp mod">
+        <pc:chgData name="Brian Dinh" userId="cb1d0a1c34623c90" providerId="LiveId" clId="{4CA3E554-ED19-4905-93D4-3E57A76416A6}" dt="2020-12-12T07:34:07.348" v="185" actId="20577"/>
+        <pc:sldMkLst>
+          <pc:docMk/>
+          <pc:sldMk cId="4293747716" sldId="371"/>
+        </pc:sldMkLst>
+        <pc:spChg chg="mod">
+          <ac:chgData name="Brian Dinh" userId="cb1d0a1c34623c90" providerId="LiveId" clId="{4CA3E554-ED19-4905-93D4-3E57A76416A6}" dt="2020-12-12T07:34:07.348" v="185" actId="20577"/>
+          <ac:spMkLst>
+            <pc:docMk/>
+            <pc:sldMk cId="4293747716" sldId="371"/>
+            <ac:spMk id="3" creationId="{6F395D26-1DD1-4EB1-AC7D-387DAE24633C}"/>
+          </ac:spMkLst>
+        </pc:spChg>
+      </pc:sldChg>
+    </pc:docChg>
+  </pc:docChgLst>
+</pc:chgInfo>
+</file>
+
 <file path=ppt/comments/comment1.xml><?xml version="1.0" encoding="utf-8"?>
 <p:cmLst xmlns:a="http://schemas.openxmlformats.org/drawingml/2006/main" xmlns:r="http://schemas.openxmlformats.org/officeDocument/2006/relationships" xmlns:p="http://schemas.openxmlformats.org/presentationml/2006/main">
   <p:cm authorId="1" dt="2020-12-02T21:04:51.021" idx="1">
@@ -268,7 +335,7 @@
           <a:p>
             <a:fld id="{59041DB8-B66F-4DC8-A96E-33677E0F90FF}" type="datetimeFigureOut">
               <a:rPr lang="en-US" smtClean="0"/>
-              <a:t>12/2/2020</a:t>
+              <a:t>12/12/2020</a:t>
             </a:fld>
             <a:endParaRPr lang="en-US"/>
           </a:p>
@@ -433,7 +500,7 @@
           <a:p>
             <a:fld id="{DEB49C4A-65AC-492D-9701-81B46C3AD0E4}" type="datetimeFigureOut">
               <a:rPr lang="en-US" smtClean="0"/>
-              <a:t>12/2/2020</a:t>
+              <a:t>12/11/2020</a:t>
             </a:fld>
             <a:endParaRPr lang="en-US"/>
           </a:p>
@@ -2841,7 +2908,7 @@
           <a:p>
             <a:fld id="{384A29A4-78C8-47AB-BA06-22CB45938951}" type="datetime1">
               <a:rPr lang="en-US" smtClean="0"/>
-              <a:t>12/2/2020</a:t>
+              <a:t>12/11/2020</a:t>
             </a:fld>
             <a:endParaRPr lang="en-US"/>
           </a:p>
@@ -3036,7 +3103,7 @@
           <a:p>
             <a:fld id="{E1ED4ACF-2D82-46F2-A8E9-23963AA34E86}" type="datetime1">
               <a:rPr lang="en-US" smtClean="0"/>
-              <a:t>12/2/2020</a:t>
+              <a:t>12/11/2020</a:t>
             </a:fld>
             <a:endParaRPr lang="en-US"/>
           </a:p>
@@ -3230,7 +3297,7 @@
           <a:p>
             <a:fld id="{AE374B5B-21A0-4192-BF4C-38187F1A68D8}" type="datetime1">
               <a:rPr lang="en-US" smtClean="0"/>
-              <a:t>12/2/2020</a:t>
+              <a:t>12/11/2020</a:t>
             </a:fld>
             <a:endParaRPr lang="en-US"/>
           </a:p>
@@ -5571,7 +5638,7 @@
           <a:p>
             <a:fld id="{33B5CF7C-B333-48E1-A4A6-83A3C8B73AC0}" type="datetime1">
               <a:rPr lang="en-US" smtClean="0"/>
-              <a:t>12/2/2020</a:t>
+              <a:t>12/11/2020</a:t>
             </a:fld>
             <a:endParaRPr lang="en-US"/>
           </a:p>
@@ -6024,7 +6091,7 @@
           <a:p>
             <a:fld id="{AE320762-5CBF-4210-AB54-376B091119F8}" type="datetime1">
               <a:rPr lang="en-US" smtClean="0"/>
-              <a:t>12/2/2020</a:t>
+              <a:t>12/11/2020</a:t>
             </a:fld>
             <a:endParaRPr lang="en-US"/>
           </a:p>
@@ -6156,7 +6223,7 @@
           <a:p>
             <a:fld id="{7F0DB371-BF5F-4058-A212-1A908E4D2674}" type="datetime1">
               <a:rPr lang="en-US" smtClean="0"/>
-              <a:t>12/2/2020</a:t>
+              <a:t>12/11/2020</a:t>
             </a:fld>
             <a:endParaRPr lang="en-US"/>
           </a:p>
@@ -8089,7 +8156,7 @@
           <a:p>
             <a:fld id="{60A4083B-90AA-48CF-BAD5-00AA24D7F288}" type="datetime1">
               <a:rPr lang="en-US" smtClean="0"/>
-              <a:t>12/2/2020</a:t>
+              <a:t>12/11/2020</a:t>
             </a:fld>
             <a:endParaRPr lang="en-US"/>
           </a:p>
@@ -10348,7 +10415,7 @@
             <a:fld id="{F5BAF629-ECA2-4CF3-B790-9D9BDED98269}" type="datetime1">
               <a:rPr lang="en-US" smtClean="0"/>
               <a:pPr/>
-              <a:t>12/2/2020</a:t>
+              <a:t>12/11/2020</a:t>
             </a:fld>
             <a:endParaRPr lang="en-US"/>
           </a:p>
@@ -14643,7 +14710,7 @@
             <a:fld id="{B51B2453-8663-4C69-AF73-9FD7B1DEC5D0}" type="datetime1">
               <a:rPr lang="en-US" smtClean="0"/>
               <a:pPr/>
-              <a:t>12/2/2020</a:t>
+              <a:t>12/11/2020</a:t>
             </a:fld>
             <a:endParaRPr lang="en-US" dirty="0"/>
           </a:p>
@@ -15132,7 +15199,15 @@
             </a:br>
             <a:r>
               <a:rPr lang="en-US" sz="6000" dirty="0"/>
-              <a:t>Project 2: PCB Project</a:t>
+              <a:t>Project 2: </a:t>
+            </a:r>
+            <a:r>
+              <a:rPr lang="en-US" sz="6000" dirty="0" err="1"/>
+              <a:t>IcyHot</a:t>
+            </a:r>
+            <a:r>
+              <a:rPr lang="en-US" sz="6000" dirty="0"/>
+              <a:t> PCB</a:t>
             </a:r>
             <a:endParaRPr lang="en-US" dirty="0"/>
           </a:p>
@@ -15160,7 +15235,7 @@
           <a:p>
             <a:r>
               <a:rPr lang="en-US"/>
-              <a:t>December 3, </a:t>
+              <a:t>December 12, </a:t>
             </a:r>
             <a:r>
               <a:rPr lang="en-US" dirty="0"/>
@@ -15348,7 +15423,7 @@
             <a:pPr lvl="1"/>
             <a:r>
               <a:rPr lang="en-US" dirty="0"/>
-              <a:t>Add LEB blinker because it looks cool</a:t>
+              <a:t>Implement components that were not completed in Project 1 for </a:t>
             </a:r>
           </a:p>
         </p:txBody>
@@ -15511,41 +15586,14 @@
             <a:pPr lvl="1"/>
             <a:r>
               <a:rPr lang="en-US" dirty="0"/>
-              <a:t>Add LED blinker</a:t>
+              <a:t>Design PCB involving all components</a:t>
             </a:r>
           </a:p>
           <a:p>
             <a:pPr lvl="1"/>
             <a:r>
               <a:rPr lang="en-US" dirty="0"/>
-              <a:t>Design PCB involving all components</a:t>
-            </a:r>
-          </a:p>
-          <a:p>
-            <a:r>
-              <a:rPr lang="en-US" dirty="0"/>
-              <a:t>Why no LED screen?</a:t>
-            </a:r>
-          </a:p>
-          <a:p>
-            <a:pPr lvl="1"/>
-            <a:r>
-              <a:rPr lang="en-US" dirty="0"/>
-              <a:t>Was not able to integrate it into the previous project</a:t>
-            </a:r>
-          </a:p>
-          <a:p>
-            <a:pPr lvl="1"/>
-            <a:r>
-              <a:rPr lang="en-US" dirty="0"/>
-              <a:t>Project should be scoped to be 2 weeks</a:t>
-            </a:r>
-          </a:p>
-          <a:p>
-            <a:pPr lvl="1"/>
-            <a:r>
-              <a:rPr lang="en-US" dirty="0"/>
-              <a:t>I struggled with the first project- second project must be fully integrated</a:t>
+              <a:t>Complete what was not completed last project—add the LED screen</a:t>
             </a:r>
           </a:p>
           <a:p>

--- a/project_02/ENGI301_project2_proposal .pptx
+++ b/project_02/ENGI301_project2_proposal .pptx
@@ -149,12 +149,20 @@
 </p:cmAuthorLst>
 </file>
 
+<file path=ppt/revisionInfo.xml><?xml version="1.0" encoding="utf-8"?>
+<p1510:revInfo xmlns:a="http://schemas.openxmlformats.org/drawingml/2006/main" xmlns:r="http://schemas.openxmlformats.org/officeDocument/2006/relationships" xmlns:p1510="http://schemas.microsoft.com/office/powerpoint/2015/10/main">
+  <p1510:revLst>
+    <p1510:client id="{4CA3E554-ED19-4905-93D4-3E57A76416A6}" v="5" dt="2020-12-19T06:32:20.941"/>
+  </p1510:revLst>
+</p1510:revInfo>
+</file>
+
 <file path=ppt/changesInfos/changesInfo1.xml><?xml version="1.0" encoding="utf-8"?>
 <pc:chgInfo xmlns:a="http://schemas.openxmlformats.org/drawingml/2006/main" xmlns:r="http://schemas.openxmlformats.org/officeDocument/2006/relationships" xmlns:ac="http://schemas.microsoft.com/office/drawing/2013/main/command" xmlns:pc="http://schemas.microsoft.com/office/powerpoint/2013/main/command">
   <pc:docChgLst>
     <pc:chgData name="Brian Dinh" userId="cb1d0a1c34623c90" providerId="LiveId" clId="{4CA3E554-ED19-4905-93D4-3E57A76416A6}"/>
-    <pc:docChg chg="undo custSel modSld">
-      <pc:chgData name="Brian Dinh" userId="cb1d0a1c34623c90" providerId="LiveId" clId="{4CA3E554-ED19-4905-93D4-3E57A76416A6}" dt="2020-12-12T07:34:23.667" v="188" actId="20577"/>
+    <pc:docChg chg="undo redo custSel modSld">
+      <pc:chgData name="Brian Dinh" userId="cb1d0a1c34623c90" providerId="LiveId" clId="{4CA3E554-ED19-4905-93D4-3E57A76416A6}" dt="2020-12-19T06:32:44.684" v="618" actId="478"/>
       <pc:docMkLst>
         <pc:docMk/>
       </pc:docMkLst>
@@ -196,14 +204,140 @@
           </ac:spMkLst>
         </pc:spChg>
       </pc:sldChg>
-      <pc:sldChg chg="modSp mod">
-        <pc:chgData name="Brian Dinh" userId="cb1d0a1c34623c90" providerId="LiveId" clId="{4CA3E554-ED19-4905-93D4-3E57A76416A6}" dt="2020-12-12T07:34:07.348" v="185" actId="20577"/>
+      <pc:sldChg chg="addSp delSp modSp mod">
+        <pc:chgData name="Brian Dinh" userId="cb1d0a1c34623c90" providerId="LiveId" clId="{4CA3E554-ED19-4905-93D4-3E57A76416A6}" dt="2020-12-19T06:32:05.667" v="602" actId="1076"/>
+        <pc:sldMkLst>
+          <pc:docMk/>
+          <pc:sldMk cId="140782560" sldId="368"/>
+        </pc:sldMkLst>
+        <pc:spChg chg="add del mod">
+          <ac:chgData name="Brian Dinh" userId="cb1d0a1c34623c90" providerId="LiveId" clId="{4CA3E554-ED19-4905-93D4-3E57A76416A6}" dt="2020-12-19T06:31:19.401" v="584" actId="931"/>
+          <ac:spMkLst>
+            <pc:docMk/>
+            <pc:sldMk cId="140782560" sldId="368"/>
+            <ac:spMk id="4" creationId="{917F1C46-E6BE-44D7-931C-44253F7FE377}"/>
+          </ac:spMkLst>
+        </pc:spChg>
+        <pc:spChg chg="add del mod">
+          <ac:chgData name="Brian Dinh" userId="cb1d0a1c34623c90" providerId="LiveId" clId="{4CA3E554-ED19-4905-93D4-3E57A76416A6}" dt="2020-12-19T06:31:38.207" v="588" actId="931"/>
+          <ac:spMkLst>
+            <pc:docMk/>
+            <pc:sldMk cId="140782560" sldId="368"/>
+            <ac:spMk id="9" creationId="{2ECCB84B-B552-47F7-88FD-D5784FEE8E99}"/>
+          </ac:spMkLst>
+        </pc:spChg>
+        <pc:spChg chg="add del mod">
+          <ac:chgData name="Brian Dinh" userId="cb1d0a1c34623c90" providerId="LiveId" clId="{4CA3E554-ED19-4905-93D4-3E57A76416A6}" dt="2020-12-19T06:31:44.492" v="592" actId="931"/>
+          <ac:spMkLst>
+            <pc:docMk/>
+            <pc:sldMk cId="140782560" sldId="368"/>
+            <ac:spMk id="13" creationId="{F3DCFA6D-44B7-48AF-947C-277E385BD7B2}"/>
+          </ac:spMkLst>
+        </pc:spChg>
+        <pc:picChg chg="add del mod modCrop">
+          <ac:chgData name="Brian Dinh" userId="cb1d0a1c34623c90" providerId="LiveId" clId="{4CA3E554-ED19-4905-93D4-3E57A76416A6}" dt="2020-12-19T06:31:32.234" v="587" actId="478"/>
+          <ac:picMkLst>
+            <pc:docMk/>
+            <pc:sldMk cId="140782560" sldId="368"/>
+            <ac:picMk id="6" creationId="{6E51DB5D-0090-4755-8D63-F6B4BA693C60}"/>
+          </ac:picMkLst>
+        </pc:picChg>
+        <pc:picChg chg="del">
+          <ac:chgData name="Brian Dinh" userId="cb1d0a1c34623c90" providerId="LiveId" clId="{4CA3E554-ED19-4905-93D4-3E57A76416A6}" dt="2020-12-19T06:31:08.920" v="583" actId="478"/>
+          <ac:picMkLst>
+            <pc:docMk/>
+            <pc:sldMk cId="140782560" sldId="368"/>
+            <ac:picMk id="7" creationId="{BFBBDDC4-9B96-4CC7-914B-9DF432F8DB10}"/>
+          </ac:picMkLst>
+        </pc:picChg>
+        <pc:picChg chg="add del mod">
+          <ac:chgData name="Brian Dinh" userId="cb1d0a1c34623c90" providerId="LiveId" clId="{4CA3E554-ED19-4905-93D4-3E57A76416A6}" dt="2020-12-19T06:31:39.869" v="591" actId="478"/>
+          <ac:picMkLst>
+            <pc:docMk/>
+            <pc:sldMk cId="140782560" sldId="368"/>
+            <ac:picMk id="11" creationId="{9AC71EF8-74D6-4512-85F2-69740230457A}"/>
+          </ac:picMkLst>
+        </pc:picChg>
+        <pc:picChg chg="add mod modCrop">
+          <ac:chgData name="Brian Dinh" userId="cb1d0a1c34623c90" providerId="LiveId" clId="{4CA3E554-ED19-4905-93D4-3E57A76416A6}" dt="2020-12-19T06:32:05.667" v="602" actId="1076"/>
+          <ac:picMkLst>
+            <pc:docMk/>
+            <pc:sldMk cId="140782560" sldId="368"/>
+            <ac:picMk id="15" creationId="{C9A4DB9E-ECC7-4F88-9E75-D91841E8A3AF}"/>
+          </ac:picMkLst>
+        </pc:picChg>
+      </pc:sldChg>
+      <pc:sldChg chg="addSp delSp modSp mod delCm">
+        <pc:chgData name="Brian Dinh" userId="cb1d0a1c34623c90" providerId="LiveId" clId="{4CA3E554-ED19-4905-93D4-3E57A76416A6}" dt="2020-12-19T06:32:44.684" v="618" actId="478"/>
+        <pc:sldMkLst>
+          <pc:docMk/>
+          <pc:sldMk cId="4204615274" sldId="370"/>
+        </pc:sldMkLst>
+        <pc:spChg chg="del">
+          <ac:chgData name="Brian Dinh" userId="cb1d0a1c34623c90" providerId="LiveId" clId="{4CA3E554-ED19-4905-93D4-3E57A76416A6}" dt="2020-12-16T21:09:08.612" v="582" actId="478"/>
+          <ac:spMkLst>
+            <pc:docMk/>
+            <pc:sldMk cId="4204615274" sldId="370"/>
+            <ac:spMk id="4" creationId="{E715A88D-8992-42AE-873A-350B3437417E}"/>
+          </ac:spMkLst>
+        </pc:spChg>
+        <pc:spChg chg="add del mod">
+          <ac:chgData name="Brian Dinh" userId="cb1d0a1c34623c90" providerId="LiveId" clId="{4CA3E554-ED19-4905-93D4-3E57A76416A6}" dt="2020-12-19T06:32:14.054" v="604" actId="931"/>
+          <ac:spMkLst>
+            <pc:docMk/>
+            <pc:sldMk cId="4204615274" sldId="370"/>
+            <ac:spMk id="5" creationId="{B6310A38-C423-4EA4-B027-99647330F39B}"/>
+          </ac:spMkLst>
+        </pc:spChg>
+        <pc:spChg chg="add mod">
+          <ac:chgData name="Brian Dinh" userId="cb1d0a1c34623c90" providerId="LiveId" clId="{4CA3E554-ED19-4905-93D4-3E57A76416A6}" dt="2020-12-19T06:32:44.684" v="618" actId="478"/>
+          <ac:spMkLst>
+            <pc:docMk/>
+            <pc:sldMk cId="4204615274" sldId="370"/>
+            <ac:spMk id="14" creationId="{913CB61B-3374-4E22-9059-6AB025F53A45}"/>
+          </ac:spMkLst>
+        </pc:spChg>
+        <pc:picChg chg="del">
+          <ac:chgData name="Brian Dinh" userId="cb1d0a1c34623c90" providerId="LiveId" clId="{4CA3E554-ED19-4905-93D4-3E57A76416A6}" dt="2020-12-19T06:32:07.507" v="603" actId="478"/>
+          <ac:picMkLst>
+            <pc:docMk/>
+            <pc:sldMk cId="4204615274" sldId="370"/>
+            <ac:picMk id="7" creationId="{28104C3A-BD02-426B-86EA-4461CC3BF28E}"/>
+          </ac:picMkLst>
+        </pc:picChg>
+        <pc:picChg chg="add del mod">
+          <ac:chgData name="Brian Dinh" userId="cb1d0a1c34623c90" providerId="LiveId" clId="{4CA3E554-ED19-4905-93D4-3E57A76416A6}" dt="2020-12-19T06:32:44.684" v="618" actId="478"/>
+          <ac:picMkLst>
+            <pc:docMk/>
+            <pc:sldMk cId="4204615274" sldId="370"/>
+            <ac:picMk id="8" creationId="{83C5609A-F8FC-437D-828D-CB4D0EF5BB5A}"/>
+          </ac:picMkLst>
+        </pc:picChg>
+        <pc:picChg chg="add mod modCrop">
+          <ac:chgData name="Brian Dinh" userId="cb1d0a1c34623c90" providerId="LiveId" clId="{4CA3E554-ED19-4905-93D4-3E57A76416A6}" dt="2020-12-19T06:32:42.581" v="617" actId="732"/>
+          <ac:picMkLst>
+            <pc:docMk/>
+            <pc:sldMk cId="4204615274" sldId="370"/>
+            <ac:picMk id="10" creationId="{EA4F5C24-118D-4C02-AA2D-B26CE98D3F64}"/>
+          </ac:picMkLst>
+        </pc:picChg>
+        <pc:picChg chg="add mod modCrop">
+          <ac:chgData name="Brian Dinh" userId="cb1d0a1c34623c90" providerId="LiveId" clId="{4CA3E554-ED19-4905-93D4-3E57A76416A6}" dt="2020-12-19T06:32:36.337" v="615" actId="1076"/>
+          <ac:picMkLst>
+            <pc:docMk/>
+            <pc:sldMk cId="4204615274" sldId="370"/>
+            <ac:picMk id="12" creationId="{68E27556-4E4D-426C-AE97-5425BF8F9FF9}"/>
+          </ac:picMkLst>
+        </pc:picChg>
+      </pc:sldChg>
+      <pc:sldChg chg="modSp mod delCm modCm">
+        <pc:chgData name="Brian Dinh" userId="cb1d0a1c34623c90" providerId="LiveId" clId="{4CA3E554-ED19-4905-93D4-3E57A76416A6}" dt="2020-12-16T21:08:57.866" v="580" actId="1592"/>
         <pc:sldMkLst>
           <pc:docMk/>
           <pc:sldMk cId="4293747716" sldId="371"/>
         </pc:sldMkLst>
         <pc:spChg chg="mod">
-          <ac:chgData name="Brian Dinh" userId="cb1d0a1c34623c90" providerId="LiveId" clId="{4CA3E554-ED19-4905-93D4-3E57A76416A6}" dt="2020-12-12T07:34:07.348" v="185" actId="20577"/>
+          <ac:chgData name="Brian Dinh" userId="cb1d0a1c34623c90" providerId="LiveId" clId="{4CA3E554-ED19-4905-93D4-3E57A76416A6}" dt="2020-12-16T17:41:07.781" v="579" actId="20577"/>
           <ac:spMkLst>
             <pc:docMk/>
             <pc:sldMk cId="4293747716" sldId="371"/>
@@ -214,43 +348,6 @@
     </pc:docChg>
   </pc:docChgLst>
 </pc:chgInfo>
-</file>
-
-<file path=ppt/comments/comment1.xml><?xml version="1.0" encoding="utf-8"?>
-<p:cmLst xmlns:a="http://schemas.openxmlformats.org/drawingml/2006/main" xmlns:r="http://schemas.openxmlformats.org/officeDocument/2006/relationships" xmlns:p="http://schemas.openxmlformats.org/presentationml/2006/main">
-  <p:cm authorId="1" dt="2020-12-02T21:04:51.021" idx="1">
-    <p:pos x="1845" y="2089"/>
-    <p:text>No blinker, restore LCD screen. Go to Adafruit website, pick off mounting holes, hook up SPI interface, power, and on the PCB board slot the pocketbeagle underneath my screen</p:text>
-    <p:extLst>
-      <p:ext uri="{C676402C-5697-4E1C-873F-D02D1690AC5C}">
-        <p15:threadingInfo xmlns:p15="http://schemas.microsoft.com/office/powerpoint/2012/main" timeZoneBias="360"/>
-      </p:ext>
-    </p:extLst>
-  </p:cm>
-  <p:cm authorId="1" dt="2020-12-02T21:05:07.577" idx="2">
-    <p:pos x="1543" y="1269"/>
-    <p:text>Keep existing components</p:text>
-    <p:extLst>
-      <p:ext uri="{C676402C-5697-4E1C-873F-D02D1690AC5C}">
-        <p15:threadingInfo xmlns:p15="http://schemas.microsoft.com/office/powerpoint/2012/main" timeZoneBias="360"/>
-      </p:ext>
-    </p:extLst>
-  </p:cm>
-</p:cmLst>
-</file>
-
-<file path=ppt/comments/comment2.xml><?xml version="1.0" encoding="utf-8"?>
-<p:cmLst xmlns:a="http://schemas.openxmlformats.org/drawingml/2006/main" xmlns:r="http://schemas.openxmlformats.org/officeDocument/2006/relationships" xmlns:p="http://schemas.openxmlformats.org/presentationml/2006/main">
-  <p:cm authorId="1" dt="2020-12-02T21:08:37.780" idx="4">
-    <p:pos x="3661" y="1494"/>
-    <p:text>shrink to 3x4 board</p:text>
-    <p:extLst>
-      <p:ext uri="{C676402C-5697-4E1C-873F-D02D1690AC5C}">
-        <p15:threadingInfo xmlns:p15="http://schemas.microsoft.com/office/powerpoint/2012/main" timeZoneBias="360"/>
-      </p:ext>
-    </p:extLst>
-  </p:cm>
-</p:cmLst>
 </file>
 
 <file path=ppt/handoutMasters/handoutMaster1.xml><?xml version="1.0" encoding="utf-8"?>
@@ -335,7 +432,7 @@
           <a:p>
             <a:fld id="{59041DB8-B66F-4DC8-A96E-33677E0F90FF}" type="datetimeFigureOut">
               <a:rPr lang="en-US" smtClean="0"/>
-              <a:t>12/12/2020</a:t>
+              <a:t>12/16/2020</a:t>
             </a:fld>
             <a:endParaRPr lang="en-US"/>
           </a:p>
@@ -500,7 +597,7 @@
           <a:p>
             <a:fld id="{DEB49C4A-65AC-492D-9701-81B46C3AD0E4}" type="datetimeFigureOut">
               <a:rPr lang="en-US" smtClean="0"/>
-              <a:t>12/11/2020</a:t>
+              <a:t>12/13/2020</a:t>
             </a:fld>
             <a:endParaRPr lang="en-US"/>
           </a:p>
@@ -2908,7 +3005,7 @@
           <a:p>
             <a:fld id="{384A29A4-78C8-47AB-BA06-22CB45938951}" type="datetime1">
               <a:rPr lang="en-US" smtClean="0"/>
-              <a:t>12/11/2020</a:t>
+              <a:t>12/13/2020</a:t>
             </a:fld>
             <a:endParaRPr lang="en-US"/>
           </a:p>
@@ -3103,7 +3200,7 @@
           <a:p>
             <a:fld id="{E1ED4ACF-2D82-46F2-A8E9-23963AA34E86}" type="datetime1">
               <a:rPr lang="en-US" smtClean="0"/>
-              <a:t>12/11/2020</a:t>
+              <a:t>12/13/2020</a:t>
             </a:fld>
             <a:endParaRPr lang="en-US"/>
           </a:p>
@@ -3297,7 +3394,7 @@
           <a:p>
             <a:fld id="{AE374B5B-21A0-4192-BF4C-38187F1A68D8}" type="datetime1">
               <a:rPr lang="en-US" smtClean="0"/>
-              <a:t>12/11/2020</a:t>
+              <a:t>12/13/2020</a:t>
             </a:fld>
             <a:endParaRPr lang="en-US"/>
           </a:p>
@@ -5638,7 +5735,7 @@
           <a:p>
             <a:fld id="{33B5CF7C-B333-48E1-A4A6-83A3C8B73AC0}" type="datetime1">
               <a:rPr lang="en-US" smtClean="0"/>
-              <a:t>12/11/2020</a:t>
+              <a:t>12/13/2020</a:t>
             </a:fld>
             <a:endParaRPr lang="en-US"/>
           </a:p>
@@ -6091,7 +6188,7 @@
           <a:p>
             <a:fld id="{AE320762-5CBF-4210-AB54-376B091119F8}" type="datetime1">
               <a:rPr lang="en-US" smtClean="0"/>
-              <a:t>12/11/2020</a:t>
+              <a:t>12/13/2020</a:t>
             </a:fld>
             <a:endParaRPr lang="en-US"/>
           </a:p>
@@ -6223,7 +6320,7 @@
           <a:p>
             <a:fld id="{7F0DB371-BF5F-4058-A212-1A908E4D2674}" type="datetime1">
               <a:rPr lang="en-US" smtClean="0"/>
-              <a:t>12/11/2020</a:t>
+              <a:t>12/13/2020</a:t>
             </a:fld>
             <a:endParaRPr lang="en-US"/>
           </a:p>
@@ -8156,7 +8253,7 @@
           <a:p>
             <a:fld id="{60A4083B-90AA-48CF-BAD5-00AA24D7F288}" type="datetime1">
               <a:rPr lang="en-US" smtClean="0"/>
-              <a:t>12/11/2020</a:t>
+              <a:t>12/13/2020</a:t>
             </a:fld>
             <a:endParaRPr lang="en-US"/>
           </a:p>
@@ -10415,7 +10512,7 @@
             <a:fld id="{F5BAF629-ECA2-4CF3-B790-9D9BDED98269}" type="datetime1">
               <a:rPr lang="en-US" smtClean="0"/>
               <a:pPr/>
-              <a:t>12/11/2020</a:t>
+              <a:t>12/13/2020</a:t>
             </a:fld>
             <a:endParaRPr lang="en-US"/>
           </a:p>
@@ -14710,7 +14807,7 @@
             <a:fld id="{B51B2453-8663-4C69-AF73-9FD7B1DEC5D0}" type="datetime1">
               <a:rPr lang="en-US" smtClean="0"/>
               <a:pPr/>
-              <a:t>12/11/2020</a:t>
+              <a:t>12/13/2020</a:t>
             </a:fld>
             <a:endParaRPr lang="en-US" dirty="0"/>
           </a:p>
@@ -15586,15 +15683,59 @@
             <a:pPr lvl="1"/>
             <a:r>
               <a:rPr lang="en-US" dirty="0"/>
-              <a:t>Design PCB involving all components</a:t>
+              <a:t>Design PCB involving all components from </a:t>
+            </a:r>
+            <a:r>
+              <a:rPr lang="en-US" dirty="0" err="1"/>
+              <a:t>IcyHot</a:t>
+            </a:r>
+            <a:endParaRPr lang="en-US" dirty="0"/>
+          </a:p>
+          <a:p>
+            <a:pPr lvl="1"/>
+            <a:r>
+              <a:rPr lang="en-US" dirty="0"/>
+              <a:t>Inclusive of components not implemented</a:t>
             </a:r>
           </a:p>
           <a:p>
             <a:pPr lvl="1"/>
             <a:r>
               <a:rPr lang="en-US" dirty="0"/>
-              <a:t>Complete what was not completed last project—add the LED screen</a:t>
+              <a:t>Add a second library component—project requirement</a:t>
             </a:r>
+          </a:p>
+          <a:p>
+            <a:r>
+              <a:rPr lang="en-US" dirty="0"/>
+              <a:t>Second library component:</a:t>
+            </a:r>
+          </a:p>
+          <a:p>
+            <a:pPr lvl="1"/>
+            <a:r>
+              <a:rPr lang="en-US" dirty="0"/>
+              <a:t>TPS92411x Floating Switch for Offline AC Linear Direct Drive of LEDs with Low Ripple Current</a:t>
+            </a:r>
+          </a:p>
+          <a:p>
+            <a:pPr lvl="1"/>
+            <a:r>
+              <a:rPr lang="en-US" dirty="0"/>
+              <a:t>Complements LED screen</a:t>
+            </a:r>
+          </a:p>
+          <a:p>
+            <a:pPr lvl="1"/>
+            <a:endParaRPr lang="en-US" dirty="0"/>
+          </a:p>
+          <a:p>
+            <a:pPr lvl="1"/>
+            <a:endParaRPr lang="en-US" dirty="0"/>
+          </a:p>
+          <a:p>
+            <a:pPr lvl="1"/>
+            <a:endParaRPr lang="en-US" dirty="0"/>
           </a:p>
           <a:p>
             <a:pPr marL="0" indent="0">
@@ -15676,10 +15817,10 @@
       </p:sp>
       <p:pic>
         <p:nvPicPr>
-          <p:cNvPr id="7" name="Content Placeholder 6" descr="Diagram&#10;&#10;Description automatically generated">
+          <p:cNvPr id="15" name="Content Placeholder 14" descr="A picture containing diagram&#10;&#10;Description automatically generated">
             <a:extLst>
               <a:ext uri="{FF2B5EF4-FFF2-40B4-BE49-F238E27FC236}">
-                <a16:creationId xmlns:a16="http://schemas.microsoft.com/office/drawing/2014/main" id="{BFBBDDC4-9B96-4CC7-914B-9DF432F8DB10}"/>
+                <a16:creationId xmlns:a16="http://schemas.microsoft.com/office/drawing/2014/main" id="{C9A4DB9E-ECC7-4F88-9E75-D91841E8A3AF}"/>
               </a:ext>
             </a:extLst>
           </p:cNvPr>
@@ -15692,13 +15833,13 @@
         </p:nvPicPr>
         <p:blipFill rotWithShape="1">
           <a:blip r:embed="rId2"/>
-          <a:srcRect l="17793" r="23236"/>
+          <a:srcRect l="16130" r="39516" b="1254"/>
           <a:stretch/>
         </p:blipFill>
         <p:spPr>
-          <a:xfrm>
-            <a:off x="3390900" y="1295400"/>
-            <a:ext cx="4953000" cy="4724400"/>
+          <a:xfrm rot="5400000">
+            <a:off x="4122784" y="568960"/>
+            <a:ext cx="4594132" cy="5753101"/>
           </a:xfrm>
         </p:spPr>
       </p:pic>
@@ -15774,75 +15915,84 @@
       </p:sp>
       <p:pic>
         <p:nvPicPr>
-          <p:cNvPr id="7" name="Content Placeholder 6">
+          <p:cNvPr id="10" name="Picture 9">
             <a:extLst>
               <a:ext uri="{FF2B5EF4-FFF2-40B4-BE49-F238E27FC236}">
-                <a16:creationId xmlns:a16="http://schemas.microsoft.com/office/drawing/2014/main" id="{28104C3A-BD02-426B-86EA-4461CC3BF28E}"/>
+                <a16:creationId xmlns:a16="http://schemas.microsoft.com/office/drawing/2014/main" id="{EA4F5C24-118D-4C02-AA2D-B26CE98D3F64}"/>
               </a:ext>
             </a:extLst>
           </p:cNvPr>
           <p:cNvPicPr>
-            <a:picLocks noGrp="1" noChangeAspect="1"/>
+            <a:picLocks noChangeAspect="1"/>
           </p:cNvPicPr>
-          <p:nvPr>
-            <p:ph idx="1"/>
-          </p:nvPr>
+          <p:nvPr/>
         </p:nvPicPr>
         <p:blipFill rotWithShape="1">
           <a:blip r:embed="rId2"/>
-          <a:srcRect t="1149" r="3125" b="2433"/>
+          <a:srcRect l="13412" r="30000"/>
           <a:stretch/>
         </p:blipFill>
         <p:spPr>
-          <a:xfrm>
-            <a:off x="609600" y="2019299"/>
-            <a:ext cx="10629900" cy="3200401"/>
-          </a:xfrm>
-        </p:spPr>
-      </p:pic>
-      <p:sp>
-        <p:nvSpPr>
-          <p:cNvPr id="4" name="Rectangle 3">
-            <a:extLst>
-              <a:ext uri="{FF2B5EF4-FFF2-40B4-BE49-F238E27FC236}">
-                <a16:creationId xmlns:a16="http://schemas.microsoft.com/office/drawing/2014/main" id="{E715A88D-8992-42AE-873A-350B3437417E}"/>
-              </a:ext>
-            </a:extLst>
-          </p:cNvPr>
-          <p:cNvSpPr/>
-          <p:nvPr/>
-        </p:nvSpPr>
-        <p:spPr>
-          <a:xfrm>
-            <a:off x="7010400" y="1295400"/>
-            <a:ext cx="4724400" cy="1562100"/>
+          <a:xfrm rot="5400000">
+            <a:off x="864733" y="1154568"/>
+            <a:ext cx="3880757" cy="3857625"/>
           </a:xfrm>
           <a:prstGeom prst="rect">
             <a:avLst/>
           </a:prstGeom>
         </p:spPr>
-        <p:style>
-          <a:lnRef idx="2">
-            <a:schemeClr val="accent1">
-              <a:shade val="50000"/>
-            </a:schemeClr>
-          </a:lnRef>
-          <a:fillRef idx="1">
-            <a:schemeClr val="accent1"/>
-          </a:fillRef>
-          <a:effectRef idx="0">
-            <a:schemeClr val="accent1"/>
-          </a:effectRef>
-          <a:fontRef idx="minor">
-            <a:schemeClr val="lt1"/>
-          </a:fontRef>
-        </p:style>
+      </p:pic>
+      <p:pic>
+        <p:nvPicPr>
+          <p:cNvPr id="12" name="Picture 11" descr="Text, letter&#10;&#10;Description automatically generated">
+            <a:extLst>
+              <a:ext uri="{FF2B5EF4-FFF2-40B4-BE49-F238E27FC236}">
+                <a16:creationId xmlns:a16="http://schemas.microsoft.com/office/drawing/2014/main" id="{68E27556-4E4D-426C-AE97-5425BF8F9FF9}"/>
+              </a:ext>
+            </a:extLst>
+          </p:cNvPr>
+          <p:cNvPicPr>
+            <a:picLocks noChangeAspect="1"/>
+          </p:cNvPicPr>
+          <p:nvPr/>
+        </p:nvPicPr>
+        <p:blipFill rotWithShape="1">
+          <a:blip r:embed="rId3"/>
+          <a:srcRect l="11746" t="8086" r="18254"/>
+          <a:stretch/>
+        </p:blipFill>
+        <p:spPr>
+          <a:xfrm rot="5400000">
+            <a:off x="6676146" y="1770452"/>
+            <a:ext cx="4800600" cy="3545699"/>
+          </a:xfrm>
+          <a:prstGeom prst="rect">
+            <a:avLst/>
+          </a:prstGeom>
+        </p:spPr>
+      </p:pic>
+      <p:sp>
+        <p:nvSpPr>
+          <p:cNvPr id="14" name="Content Placeholder 13">
+            <a:extLst>
+              <a:ext uri="{FF2B5EF4-FFF2-40B4-BE49-F238E27FC236}">
+                <a16:creationId xmlns:a16="http://schemas.microsoft.com/office/drawing/2014/main" id="{913CB61B-3374-4E22-9059-6AB025F53A45}"/>
+              </a:ext>
+            </a:extLst>
+          </p:cNvPr>
+          <p:cNvSpPr>
+            <a:spLocks noGrp="1"/>
+          </p:cNvSpPr>
+          <p:nvPr>
+            <p:ph idx="1"/>
+          </p:nvPr>
+        </p:nvSpPr>
+        <p:spPr/>
         <p:txBody>
-          <a:bodyPr rtlCol="0" anchor="ctr"/>
+          <a:bodyPr/>
           <a:lstStyle/>
           <a:p>
-            <a:pPr algn="ctr"/>
-            <a:endParaRPr lang="en-US"/>
+            <a:endParaRPr lang="en-US" dirty="0"/>
           </a:p>
         </p:txBody>
       </p:sp>
